--- a/Seismic Drones/CASE-2016/pictures/angle_box_plot.pptx
+++ b/Seismic Drones/CASE-2016/pictures/angle_box_plot.pptx
@@ -2,19 +2,19 @@
 <file path=ppt/presentation.xml><?xml version="1.0" encoding="utf-8"?>
 <p:presentation xmlns:a="http://schemas.openxmlformats.org/drawingml/2006/main" xmlns:r="http://schemas.openxmlformats.org/officeDocument/2006/relationships" xmlns:p="http://schemas.openxmlformats.org/presentationml/2006/main" saveSubsetFonts="1">
   <p:sldMasterIdLst>
-    <p:sldMasterId id="2147483708" r:id="rId1"/>
+    <p:sldMasterId id="2147483756" r:id="rId1"/>
   </p:sldMasterIdLst>
   <p:sldIdLst>
     <p:sldId id="256" r:id="rId2"/>
   </p:sldIdLst>
-  <p:sldSz cx="4754563" cy="3749675"/>
+  <p:sldSz cx="2103438" cy="1646238"/>
   <p:notesSz cx="6858000" cy="9144000"/>
   <p:defaultTextStyle>
     <a:defPPr>
       <a:defRPr lang="en-US"/>
     </a:defPPr>
-    <a:lvl1pPr marL="0" algn="l" defTabSz="500030" rtl="0" eaLnBrk="1" latinLnBrk="0" hangingPunct="1">
-      <a:defRPr sz="985" kern="1200">
+    <a:lvl1pPr marL="0" algn="l" defTabSz="220416" rtl="0" eaLnBrk="1" latinLnBrk="0" hangingPunct="1">
+      <a:defRPr sz="434" kern="1200">
         <a:solidFill>
           <a:schemeClr val="tx1"/>
         </a:solidFill>
@@ -23,8 +23,8 @@
         <a:cs typeface="+mn-cs"/>
       </a:defRPr>
     </a:lvl1pPr>
-    <a:lvl2pPr marL="250015" algn="l" defTabSz="500030" rtl="0" eaLnBrk="1" latinLnBrk="0" hangingPunct="1">
-      <a:defRPr sz="985" kern="1200">
+    <a:lvl2pPr marL="110208" algn="l" defTabSz="220416" rtl="0" eaLnBrk="1" latinLnBrk="0" hangingPunct="1">
+      <a:defRPr sz="434" kern="1200">
         <a:solidFill>
           <a:schemeClr val="tx1"/>
         </a:solidFill>
@@ -33,8 +33,8 @@
         <a:cs typeface="+mn-cs"/>
       </a:defRPr>
     </a:lvl2pPr>
-    <a:lvl3pPr marL="500030" algn="l" defTabSz="500030" rtl="0" eaLnBrk="1" latinLnBrk="0" hangingPunct="1">
-      <a:defRPr sz="985" kern="1200">
+    <a:lvl3pPr marL="220416" algn="l" defTabSz="220416" rtl="0" eaLnBrk="1" latinLnBrk="0" hangingPunct="1">
+      <a:defRPr sz="434" kern="1200">
         <a:solidFill>
           <a:schemeClr val="tx1"/>
         </a:solidFill>
@@ -43,8 +43,8 @@
         <a:cs typeface="+mn-cs"/>
       </a:defRPr>
     </a:lvl3pPr>
-    <a:lvl4pPr marL="750046" algn="l" defTabSz="500030" rtl="0" eaLnBrk="1" latinLnBrk="0" hangingPunct="1">
-      <a:defRPr sz="985" kern="1200">
+    <a:lvl4pPr marL="330625" algn="l" defTabSz="220416" rtl="0" eaLnBrk="1" latinLnBrk="0" hangingPunct="1">
+      <a:defRPr sz="434" kern="1200">
         <a:solidFill>
           <a:schemeClr val="tx1"/>
         </a:solidFill>
@@ -53,8 +53,8 @@
         <a:cs typeface="+mn-cs"/>
       </a:defRPr>
     </a:lvl4pPr>
-    <a:lvl5pPr marL="1000062" algn="l" defTabSz="500030" rtl="0" eaLnBrk="1" latinLnBrk="0" hangingPunct="1">
-      <a:defRPr sz="985" kern="1200">
+    <a:lvl5pPr marL="440834" algn="l" defTabSz="220416" rtl="0" eaLnBrk="1" latinLnBrk="0" hangingPunct="1">
+      <a:defRPr sz="434" kern="1200">
         <a:solidFill>
           <a:schemeClr val="tx1"/>
         </a:solidFill>
@@ -63,8 +63,8 @@
         <a:cs typeface="+mn-cs"/>
       </a:defRPr>
     </a:lvl5pPr>
-    <a:lvl6pPr marL="1250076" algn="l" defTabSz="500030" rtl="0" eaLnBrk="1" latinLnBrk="0" hangingPunct="1">
-      <a:defRPr sz="985" kern="1200">
+    <a:lvl6pPr marL="551041" algn="l" defTabSz="220416" rtl="0" eaLnBrk="1" latinLnBrk="0" hangingPunct="1">
+      <a:defRPr sz="434" kern="1200">
         <a:solidFill>
           <a:schemeClr val="tx1"/>
         </a:solidFill>
@@ -73,8 +73,8 @@
         <a:cs typeface="+mn-cs"/>
       </a:defRPr>
     </a:lvl6pPr>
-    <a:lvl7pPr marL="1500091" algn="l" defTabSz="500030" rtl="0" eaLnBrk="1" latinLnBrk="0" hangingPunct="1">
-      <a:defRPr sz="985" kern="1200">
+    <a:lvl7pPr marL="661249" algn="l" defTabSz="220416" rtl="0" eaLnBrk="1" latinLnBrk="0" hangingPunct="1">
+      <a:defRPr sz="434" kern="1200">
         <a:solidFill>
           <a:schemeClr val="tx1"/>
         </a:solidFill>
@@ -83,8 +83,8 @@
         <a:cs typeface="+mn-cs"/>
       </a:defRPr>
     </a:lvl7pPr>
-    <a:lvl8pPr marL="1750107" algn="l" defTabSz="500030" rtl="0" eaLnBrk="1" latinLnBrk="0" hangingPunct="1">
-      <a:defRPr sz="985" kern="1200">
+    <a:lvl8pPr marL="771458" algn="l" defTabSz="220416" rtl="0" eaLnBrk="1" latinLnBrk="0" hangingPunct="1">
+      <a:defRPr sz="434" kern="1200">
         <a:solidFill>
           <a:schemeClr val="tx1"/>
         </a:solidFill>
@@ -93,8 +93,8 @@
         <a:cs typeface="+mn-cs"/>
       </a:defRPr>
     </a:lvl8pPr>
-    <a:lvl9pPr marL="2000122" algn="l" defTabSz="500030" rtl="0" eaLnBrk="1" latinLnBrk="0" hangingPunct="1">
-      <a:defRPr sz="985" kern="1200">
+    <a:lvl9pPr marL="881666" algn="l" defTabSz="220416" rtl="0" eaLnBrk="1" latinLnBrk="0" hangingPunct="1">
+      <a:defRPr sz="434" kern="1200">
         <a:solidFill>
           <a:schemeClr val="tx1"/>
         </a:solidFill>
@@ -141,15 +141,15 @@
         </p:nvSpPr>
         <p:spPr>
           <a:xfrm>
-            <a:off x="356592" y="613663"/>
-            <a:ext cx="4041379" cy="1305442"/>
+            <a:off x="157758" y="269419"/>
+            <a:ext cx="1787922" cy="573135"/>
           </a:xfrm>
         </p:spPr>
         <p:txBody>
           <a:bodyPr anchor="b"/>
           <a:lstStyle>
             <a:lvl1pPr algn="ctr">
-              <a:defRPr sz="3120"/>
+              <a:defRPr sz="1380"/>
             </a:lvl1pPr>
           </a:lstStyle>
           <a:p>
@@ -173,8 +173,8 @@
         </p:nvSpPr>
         <p:spPr>
           <a:xfrm>
-            <a:off x="594321" y="1969448"/>
-            <a:ext cx="3565922" cy="905303"/>
+            <a:off x="262930" y="864656"/>
+            <a:ext cx="1577579" cy="397460"/>
           </a:xfrm>
         </p:spPr>
         <p:txBody>
@@ -182,39 +182,39 @@
           <a:lstStyle>
             <a:lvl1pPr marL="0" indent="0" algn="ctr">
               <a:buNone/>
-              <a:defRPr sz="1248"/>
+              <a:defRPr sz="552"/>
             </a:lvl1pPr>
-            <a:lvl2pPr marL="237744" indent="0" algn="ctr">
-              <a:buNone/>
-              <a:defRPr sz="1040"/>
+            <a:lvl2pPr marL="105156" indent="0" algn="ctr">
+              <a:buNone/>
+              <a:defRPr sz="460"/>
             </a:lvl2pPr>
-            <a:lvl3pPr marL="475488" indent="0" algn="ctr">
-              <a:buNone/>
-              <a:defRPr sz="936"/>
+            <a:lvl3pPr marL="210312" indent="0" algn="ctr">
+              <a:buNone/>
+              <a:defRPr sz="414"/>
             </a:lvl3pPr>
-            <a:lvl4pPr marL="713232" indent="0" algn="ctr">
-              <a:buNone/>
-              <a:defRPr sz="832"/>
+            <a:lvl4pPr marL="315468" indent="0" algn="ctr">
+              <a:buNone/>
+              <a:defRPr sz="368"/>
             </a:lvl4pPr>
-            <a:lvl5pPr marL="950976" indent="0" algn="ctr">
-              <a:buNone/>
-              <a:defRPr sz="832"/>
+            <a:lvl5pPr marL="420624" indent="0" algn="ctr">
+              <a:buNone/>
+              <a:defRPr sz="368"/>
             </a:lvl5pPr>
-            <a:lvl6pPr marL="1188720" indent="0" algn="ctr">
-              <a:buNone/>
-              <a:defRPr sz="832"/>
+            <a:lvl6pPr marL="525780" indent="0" algn="ctr">
+              <a:buNone/>
+              <a:defRPr sz="368"/>
             </a:lvl6pPr>
-            <a:lvl7pPr marL="1426464" indent="0" algn="ctr">
-              <a:buNone/>
-              <a:defRPr sz="832"/>
+            <a:lvl7pPr marL="630936" indent="0" algn="ctr">
+              <a:buNone/>
+              <a:defRPr sz="368"/>
             </a:lvl7pPr>
-            <a:lvl8pPr marL="1664208" indent="0" algn="ctr">
-              <a:buNone/>
-              <a:defRPr sz="832"/>
+            <a:lvl8pPr marL="736092" indent="0" algn="ctr">
+              <a:buNone/>
+              <a:defRPr sz="368"/>
             </a:lvl8pPr>
-            <a:lvl9pPr marL="1901952" indent="0" algn="ctr">
-              <a:buNone/>
-              <a:defRPr sz="832"/>
+            <a:lvl9pPr marL="841248" indent="0" algn="ctr">
+              <a:buNone/>
+              <a:defRPr sz="368"/>
             </a:lvl9pPr>
           </a:lstStyle>
           <a:p>
@@ -243,7 +243,7 @@
           <a:p>
             <a:fld id="{1D2DDFE7-4F41-48A8-85E8-BDE3A8061DB6}" type="datetimeFigureOut">
               <a:rPr lang="en-US" smtClean="0"/>
-              <a:t>3/4/2016</a:t>
+              <a:t>3/8/2016</a:t>
             </a:fld>
             <a:endParaRPr lang="en-US"/>
           </a:p>
@@ -294,7 +294,7 @@
     </p:spTree>
     <p:extLst>
       <p:ext uri="{BB962C8B-B14F-4D97-AF65-F5344CB8AC3E}">
-        <p14:creationId xmlns:p14="http://schemas.microsoft.com/office/powerpoint/2010/main" val="188435964"/>
+        <p14:creationId xmlns:p14="http://schemas.microsoft.com/office/powerpoint/2010/main" val="1793094420"/>
       </p:ext>
     </p:extLst>
   </p:cSld>
@@ -413,7 +413,7 @@
           <a:p>
             <a:fld id="{1D2DDFE7-4F41-48A8-85E8-BDE3A8061DB6}" type="datetimeFigureOut">
               <a:rPr lang="en-US" smtClean="0"/>
-              <a:t>3/4/2016</a:t>
+              <a:t>3/8/2016</a:t>
             </a:fld>
             <a:endParaRPr lang="en-US"/>
           </a:p>
@@ -464,7 +464,7 @@
     </p:spTree>
     <p:extLst>
       <p:ext uri="{BB962C8B-B14F-4D97-AF65-F5344CB8AC3E}">
-        <p14:creationId xmlns:p14="http://schemas.microsoft.com/office/powerpoint/2010/main" val="1762070392"/>
+        <p14:creationId xmlns:p14="http://schemas.microsoft.com/office/powerpoint/2010/main" val="1460249215"/>
       </p:ext>
     </p:extLst>
   </p:cSld>
@@ -503,8 +503,8 @@
         </p:nvSpPr>
         <p:spPr>
           <a:xfrm>
-            <a:off x="3402484" y="199636"/>
-            <a:ext cx="1025203" cy="3177676"/>
+            <a:off x="1505273" y="87647"/>
+            <a:ext cx="453554" cy="1395111"/>
           </a:xfrm>
         </p:spPr>
         <p:txBody>
@@ -531,8 +531,8 @@
         </p:nvSpPr>
         <p:spPr>
           <a:xfrm>
-            <a:off x="326876" y="199636"/>
-            <a:ext cx="3016176" cy="3177676"/>
+            <a:off x="144612" y="87647"/>
+            <a:ext cx="1334368" cy="1395111"/>
           </a:xfrm>
         </p:spPr>
         <p:txBody>
@@ -593,7 +593,7 @@
           <a:p>
             <a:fld id="{1D2DDFE7-4F41-48A8-85E8-BDE3A8061DB6}" type="datetimeFigureOut">
               <a:rPr lang="en-US" smtClean="0"/>
-              <a:t>3/4/2016</a:t>
+              <a:t>3/8/2016</a:t>
             </a:fld>
             <a:endParaRPr lang="en-US"/>
           </a:p>
@@ -644,7 +644,7 @@
     </p:spTree>
     <p:extLst>
       <p:ext uri="{BB962C8B-B14F-4D97-AF65-F5344CB8AC3E}">
-        <p14:creationId xmlns:p14="http://schemas.microsoft.com/office/powerpoint/2010/main" val="718795994"/>
+        <p14:creationId xmlns:p14="http://schemas.microsoft.com/office/powerpoint/2010/main" val="1984362193"/>
       </p:ext>
     </p:extLst>
   </p:cSld>
@@ -763,7 +763,7 @@
           <a:p>
             <a:fld id="{1D2DDFE7-4F41-48A8-85E8-BDE3A8061DB6}" type="datetimeFigureOut">
               <a:rPr lang="en-US" smtClean="0"/>
-              <a:t>3/4/2016</a:t>
+              <a:t>3/8/2016</a:t>
             </a:fld>
             <a:endParaRPr lang="en-US"/>
           </a:p>
@@ -814,7 +814,7 @@
     </p:spTree>
     <p:extLst>
       <p:ext uri="{BB962C8B-B14F-4D97-AF65-F5344CB8AC3E}">
-        <p14:creationId xmlns:p14="http://schemas.microsoft.com/office/powerpoint/2010/main" val="3651647611"/>
+        <p14:creationId xmlns:p14="http://schemas.microsoft.com/office/powerpoint/2010/main" val="730204906"/>
       </p:ext>
     </p:extLst>
   </p:cSld>
@@ -853,15 +853,15 @@
         </p:nvSpPr>
         <p:spPr>
           <a:xfrm>
-            <a:off x="324400" y="934816"/>
-            <a:ext cx="4100811" cy="1559760"/>
+            <a:off x="143516" y="410417"/>
+            <a:ext cx="1814215" cy="684789"/>
           </a:xfrm>
         </p:spPr>
         <p:txBody>
           <a:bodyPr anchor="b"/>
           <a:lstStyle>
             <a:lvl1pPr>
-              <a:defRPr sz="3120"/>
+              <a:defRPr sz="1380"/>
             </a:lvl1pPr>
           </a:lstStyle>
           <a:p>
@@ -885,8 +885,8 @@
         </p:nvSpPr>
         <p:spPr>
           <a:xfrm>
-            <a:off x="324400" y="2509332"/>
-            <a:ext cx="4100811" cy="820241"/>
+            <a:off x="143516" y="1101685"/>
+            <a:ext cx="1814215" cy="360114"/>
           </a:xfrm>
         </p:spPr>
         <p:txBody>
@@ -894,15 +894,15 @@
           <a:lstStyle>
             <a:lvl1pPr marL="0" indent="0">
               <a:buNone/>
-              <a:defRPr sz="1248">
+              <a:defRPr sz="552">
                 <a:solidFill>
                   <a:schemeClr val="tx1"/>
                 </a:solidFill>
               </a:defRPr>
             </a:lvl1pPr>
-            <a:lvl2pPr marL="237744" indent="0">
-              <a:buNone/>
-              <a:defRPr sz="1040">
+            <a:lvl2pPr marL="105156" indent="0">
+              <a:buNone/>
+              <a:defRPr sz="460">
                 <a:solidFill>
                   <a:schemeClr val="tx1">
                     <a:tint val="75000"/>
@@ -910,9 +910,9 @@
                 </a:solidFill>
               </a:defRPr>
             </a:lvl2pPr>
-            <a:lvl3pPr marL="475488" indent="0">
-              <a:buNone/>
-              <a:defRPr sz="936">
+            <a:lvl3pPr marL="210312" indent="0">
+              <a:buNone/>
+              <a:defRPr sz="414">
                 <a:solidFill>
                   <a:schemeClr val="tx1">
                     <a:tint val="75000"/>
@@ -920,9 +920,9 @@
                 </a:solidFill>
               </a:defRPr>
             </a:lvl3pPr>
-            <a:lvl4pPr marL="713232" indent="0">
-              <a:buNone/>
-              <a:defRPr sz="832">
+            <a:lvl4pPr marL="315468" indent="0">
+              <a:buNone/>
+              <a:defRPr sz="368">
                 <a:solidFill>
                   <a:schemeClr val="tx1">
                     <a:tint val="75000"/>
@@ -930,9 +930,9 @@
                 </a:solidFill>
               </a:defRPr>
             </a:lvl4pPr>
-            <a:lvl5pPr marL="950976" indent="0">
-              <a:buNone/>
-              <a:defRPr sz="832">
+            <a:lvl5pPr marL="420624" indent="0">
+              <a:buNone/>
+              <a:defRPr sz="368">
                 <a:solidFill>
                   <a:schemeClr val="tx1">
                     <a:tint val="75000"/>
@@ -940,9 +940,9 @@
                 </a:solidFill>
               </a:defRPr>
             </a:lvl5pPr>
-            <a:lvl6pPr marL="1188720" indent="0">
-              <a:buNone/>
-              <a:defRPr sz="832">
+            <a:lvl6pPr marL="525780" indent="0">
+              <a:buNone/>
+              <a:defRPr sz="368">
                 <a:solidFill>
                   <a:schemeClr val="tx1">
                     <a:tint val="75000"/>
@@ -950,9 +950,9 @@
                 </a:solidFill>
               </a:defRPr>
             </a:lvl6pPr>
-            <a:lvl7pPr marL="1426464" indent="0">
-              <a:buNone/>
-              <a:defRPr sz="832">
+            <a:lvl7pPr marL="630936" indent="0">
+              <a:buNone/>
+              <a:defRPr sz="368">
                 <a:solidFill>
                   <a:schemeClr val="tx1">
                     <a:tint val="75000"/>
@@ -960,9 +960,9 @@
                 </a:solidFill>
               </a:defRPr>
             </a:lvl7pPr>
-            <a:lvl8pPr marL="1664208" indent="0">
-              <a:buNone/>
-              <a:defRPr sz="832">
+            <a:lvl8pPr marL="736092" indent="0">
+              <a:buNone/>
+              <a:defRPr sz="368">
                 <a:solidFill>
                   <a:schemeClr val="tx1">
                     <a:tint val="75000"/>
@@ -970,9 +970,9 @@
                 </a:solidFill>
               </a:defRPr>
             </a:lvl8pPr>
-            <a:lvl9pPr marL="1901952" indent="0">
-              <a:buNone/>
-              <a:defRPr sz="832">
+            <a:lvl9pPr marL="841248" indent="0">
+              <a:buNone/>
+              <a:defRPr sz="368">
                 <a:solidFill>
                   <a:schemeClr val="tx1">
                     <a:tint val="75000"/>
@@ -1007,7 +1007,7 @@
           <a:p>
             <a:fld id="{1D2DDFE7-4F41-48A8-85E8-BDE3A8061DB6}" type="datetimeFigureOut">
               <a:rPr lang="en-US" smtClean="0"/>
-              <a:t>3/4/2016</a:t>
+              <a:t>3/8/2016</a:t>
             </a:fld>
             <a:endParaRPr lang="en-US"/>
           </a:p>
@@ -1058,7 +1058,7 @@
     </p:spTree>
     <p:extLst>
       <p:ext uri="{BB962C8B-B14F-4D97-AF65-F5344CB8AC3E}">
-        <p14:creationId xmlns:p14="http://schemas.microsoft.com/office/powerpoint/2010/main" val="1620543558"/>
+        <p14:creationId xmlns:p14="http://schemas.microsoft.com/office/powerpoint/2010/main" val="388894408"/>
       </p:ext>
     </p:extLst>
   </p:cSld>
@@ -1120,8 +1120,8 @@
         </p:nvSpPr>
         <p:spPr>
           <a:xfrm>
-            <a:off x="326876" y="998178"/>
-            <a:ext cx="2020689" cy="2379134"/>
+            <a:off x="144611" y="438235"/>
+            <a:ext cx="893961" cy="1044523"/>
           </a:xfrm>
         </p:spPr>
         <p:txBody>
@@ -1177,8 +1177,8 @@
         </p:nvSpPr>
         <p:spPr>
           <a:xfrm>
-            <a:off x="2406998" y="998178"/>
-            <a:ext cx="2020689" cy="2379134"/>
+            <a:off x="1064866" y="438235"/>
+            <a:ext cx="893961" cy="1044523"/>
           </a:xfrm>
         </p:spPr>
         <p:txBody>
@@ -1239,7 +1239,7 @@
           <a:p>
             <a:fld id="{1D2DDFE7-4F41-48A8-85E8-BDE3A8061DB6}" type="datetimeFigureOut">
               <a:rPr lang="en-US" smtClean="0"/>
-              <a:t>3/4/2016</a:t>
+              <a:t>3/8/2016</a:t>
             </a:fld>
             <a:endParaRPr lang="en-US"/>
           </a:p>
@@ -1290,7 +1290,7 @@
     </p:spTree>
     <p:extLst>
       <p:ext uri="{BB962C8B-B14F-4D97-AF65-F5344CB8AC3E}">
-        <p14:creationId xmlns:p14="http://schemas.microsoft.com/office/powerpoint/2010/main" val="4166197379"/>
+        <p14:creationId xmlns:p14="http://schemas.microsoft.com/office/powerpoint/2010/main" val="3960069097"/>
       </p:ext>
     </p:extLst>
   </p:cSld>
@@ -1329,8 +1329,8 @@
         </p:nvSpPr>
         <p:spPr>
           <a:xfrm>
-            <a:off x="327495" y="199636"/>
-            <a:ext cx="4100811" cy="724764"/>
+            <a:off x="144885" y="87647"/>
+            <a:ext cx="1814215" cy="318197"/>
           </a:xfrm>
         </p:spPr>
         <p:txBody>
@@ -1357,8 +1357,8 @@
         </p:nvSpPr>
         <p:spPr>
           <a:xfrm>
-            <a:off x="327496" y="919191"/>
-            <a:ext cx="2011403" cy="450482"/>
+            <a:off x="144885" y="403557"/>
+            <a:ext cx="889853" cy="197777"/>
           </a:xfrm>
         </p:spPr>
         <p:txBody>
@@ -1366,39 +1366,39 @@
           <a:lstStyle>
             <a:lvl1pPr marL="0" indent="0">
               <a:buNone/>
-              <a:defRPr sz="1248" b="1"/>
+              <a:defRPr sz="552" b="1"/>
             </a:lvl1pPr>
-            <a:lvl2pPr marL="237744" indent="0">
-              <a:buNone/>
-              <a:defRPr sz="1040" b="1"/>
+            <a:lvl2pPr marL="105156" indent="0">
+              <a:buNone/>
+              <a:defRPr sz="460" b="1"/>
             </a:lvl2pPr>
-            <a:lvl3pPr marL="475488" indent="0">
-              <a:buNone/>
-              <a:defRPr sz="936" b="1"/>
+            <a:lvl3pPr marL="210312" indent="0">
+              <a:buNone/>
+              <a:defRPr sz="414" b="1"/>
             </a:lvl3pPr>
-            <a:lvl4pPr marL="713232" indent="0">
-              <a:buNone/>
-              <a:defRPr sz="832" b="1"/>
+            <a:lvl4pPr marL="315468" indent="0">
+              <a:buNone/>
+              <a:defRPr sz="368" b="1"/>
             </a:lvl4pPr>
-            <a:lvl5pPr marL="950976" indent="0">
-              <a:buNone/>
-              <a:defRPr sz="832" b="1"/>
+            <a:lvl5pPr marL="420624" indent="0">
+              <a:buNone/>
+              <a:defRPr sz="368" b="1"/>
             </a:lvl5pPr>
-            <a:lvl6pPr marL="1188720" indent="0">
-              <a:buNone/>
-              <a:defRPr sz="832" b="1"/>
+            <a:lvl6pPr marL="525780" indent="0">
+              <a:buNone/>
+              <a:defRPr sz="368" b="1"/>
             </a:lvl6pPr>
-            <a:lvl7pPr marL="1426464" indent="0">
-              <a:buNone/>
-              <a:defRPr sz="832" b="1"/>
+            <a:lvl7pPr marL="630936" indent="0">
+              <a:buNone/>
+              <a:defRPr sz="368" b="1"/>
             </a:lvl7pPr>
-            <a:lvl8pPr marL="1664208" indent="0">
-              <a:buNone/>
-              <a:defRPr sz="832" b="1"/>
+            <a:lvl8pPr marL="736092" indent="0">
+              <a:buNone/>
+              <a:defRPr sz="368" b="1"/>
             </a:lvl8pPr>
-            <a:lvl9pPr marL="1901952" indent="0">
-              <a:buNone/>
-              <a:defRPr sz="832" b="1"/>
+            <a:lvl9pPr marL="841248" indent="0">
+              <a:buNone/>
+              <a:defRPr sz="368" b="1"/>
             </a:lvl9pPr>
           </a:lstStyle>
           <a:p>
@@ -1422,8 +1422,8 @@
         </p:nvSpPr>
         <p:spPr>
           <a:xfrm>
-            <a:off x="327496" y="1369673"/>
-            <a:ext cx="2011403" cy="2014583"/>
+            <a:off x="144885" y="601334"/>
+            <a:ext cx="889853" cy="884472"/>
           </a:xfrm>
         </p:spPr>
         <p:txBody>
@@ -1479,8 +1479,8 @@
         </p:nvSpPr>
         <p:spPr>
           <a:xfrm>
-            <a:off x="2406998" y="919191"/>
-            <a:ext cx="2021309" cy="450482"/>
+            <a:off x="1064866" y="403557"/>
+            <a:ext cx="894235" cy="197777"/>
           </a:xfrm>
         </p:spPr>
         <p:txBody>
@@ -1488,39 +1488,39 @@
           <a:lstStyle>
             <a:lvl1pPr marL="0" indent="0">
               <a:buNone/>
-              <a:defRPr sz="1248" b="1"/>
+              <a:defRPr sz="552" b="1"/>
             </a:lvl1pPr>
-            <a:lvl2pPr marL="237744" indent="0">
-              <a:buNone/>
-              <a:defRPr sz="1040" b="1"/>
+            <a:lvl2pPr marL="105156" indent="0">
+              <a:buNone/>
+              <a:defRPr sz="460" b="1"/>
             </a:lvl2pPr>
-            <a:lvl3pPr marL="475488" indent="0">
-              <a:buNone/>
-              <a:defRPr sz="936" b="1"/>
+            <a:lvl3pPr marL="210312" indent="0">
+              <a:buNone/>
+              <a:defRPr sz="414" b="1"/>
             </a:lvl3pPr>
-            <a:lvl4pPr marL="713232" indent="0">
-              <a:buNone/>
-              <a:defRPr sz="832" b="1"/>
+            <a:lvl4pPr marL="315468" indent="0">
+              <a:buNone/>
+              <a:defRPr sz="368" b="1"/>
             </a:lvl4pPr>
-            <a:lvl5pPr marL="950976" indent="0">
-              <a:buNone/>
-              <a:defRPr sz="832" b="1"/>
+            <a:lvl5pPr marL="420624" indent="0">
+              <a:buNone/>
+              <a:defRPr sz="368" b="1"/>
             </a:lvl5pPr>
-            <a:lvl6pPr marL="1188720" indent="0">
-              <a:buNone/>
-              <a:defRPr sz="832" b="1"/>
+            <a:lvl6pPr marL="525780" indent="0">
+              <a:buNone/>
+              <a:defRPr sz="368" b="1"/>
             </a:lvl6pPr>
-            <a:lvl7pPr marL="1426464" indent="0">
-              <a:buNone/>
-              <a:defRPr sz="832" b="1"/>
+            <a:lvl7pPr marL="630936" indent="0">
+              <a:buNone/>
+              <a:defRPr sz="368" b="1"/>
             </a:lvl7pPr>
-            <a:lvl8pPr marL="1664208" indent="0">
-              <a:buNone/>
-              <a:defRPr sz="832" b="1"/>
+            <a:lvl8pPr marL="736092" indent="0">
+              <a:buNone/>
+              <a:defRPr sz="368" b="1"/>
             </a:lvl8pPr>
-            <a:lvl9pPr marL="1901952" indent="0">
-              <a:buNone/>
-              <a:defRPr sz="832" b="1"/>
+            <a:lvl9pPr marL="841248" indent="0">
+              <a:buNone/>
+              <a:defRPr sz="368" b="1"/>
             </a:lvl9pPr>
           </a:lstStyle>
           <a:p>
@@ -1544,8 +1544,8 @@
         </p:nvSpPr>
         <p:spPr>
           <a:xfrm>
-            <a:off x="2406998" y="1369673"/>
-            <a:ext cx="2021309" cy="2014583"/>
+            <a:off x="1064866" y="601334"/>
+            <a:ext cx="894235" cy="884472"/>
           </a:xfrm>
         </p:spPr>
         <p:txBody>
@@ -1606,7 +1606,7 @@
           <a:p>
             <a:fld id="{1D2DDFE7-4F41-48A8-85E8-BDE3A8061DB6}" type="datetimeFigureOut">
               <a:rPr lang="en-US" smtClean="0"/>
-              <a:t>3/4/2016</a:t>
+              <a:t>3/8/2016</a:t>
             </a:fld>
             <a:endParaRPr lang="en-US"/>
           </a:p>
@@ -1657,7 +1657,7 @@
     </p:spTree>
     <p:extLst>
       <p:ext uri="{BB962C8B-B14F-4D97-AF65-F5344CB8AC3E}">
-        <p14:creationId xmlns:p14="http://schemas.microsoft.com/office/powerpoint/2010/main" val="3792739999"/>
+        <p14:creationId xmlns:p14="http://schemas.microsoft.com/office/powerpoint/2010/main" val="1630622951"/>
       </p:ext>
     </p:extLst>
   </p:cSld>
@@ -1724,7 +1724,7 @@
           <a:p>
             <a:fld id="{1D2DDFE7-4F41-48A8-85E8-BDE3A8061DB6}" type="datetimeFigureOut">
               <a:rPr lang="en-US" smtClean="0"/>
-              <a:t>3/4/2016</a:t>
+              <a:t>3/8/2016</a:t>
             </a:fld>
             <a:endParaRPr lang="en-US"/>
           </a:p>
@@ -1775,7 +1775,7 @@
     </p:spTree>
     <p:extLst>
       <p:ext uri="{BB962C8B-B14F-4D97-AF65-F5344CB8AC3E}">
-        <p14:creationId xmlns:p14="http://schemas.microsoft.com/office/powerpoint/2010/main" val="2130975345"/>
+        <p14:creationId xmlns:p14="http://schemas.microsoft.com/office/powerpoint/2010/main" val="2926771896"/>
       </p:ext>
     </p:extLst>
   </p:cSld>
@@ -1819,7 +1819,7 @@
           <a:p>
             <a:fld id="{1D2DDFE7-4F41-48A8-85E8-BDE3A8061DB6}" type="datetimeFigureOut">
               <a:rPr lang="en-US" smtClean="0"/>
-              <a:t>3/4/2016</a:t>
+              <a:t>3/8/2016</a:t>
             </a:fld>
             <a:endParaRPr lang="en-US"/>
           </a:p>
@@ -1870,7 +1870,7 @@
     </p:spTree>
     <p:extLst>
       <p:ext uri="{BB962C8B-B14F-4D97-AF65-F5344CB8AC3E}">
-        <p14:creationId xmlns:p14="http://schemas.microsoft.com/office/powerpoint/2010/main" val="1677589338"/>
+        <p14:creationId xmlns:p14="http://schemas.microsoft.com/office/powerpoint/2010/main" val="1775020204"/>
       </p:ext>
     </p:extLst>
   </p:cSld>
@@ -1909,15 +1909,15 @@
         </p:nvSpPr>
         <p:spPr>
           <a:xfrm>
-            <a:off x="327496" y="249978"/>
-            <a:ext cx="1533470" cy="874924"/>
+            <a:off x="144885" y="109749"/>
+            <a:ext cx="678414" cy="384122"/>
           </a:xfrm>
         </p:spPr>
         <p:txBody>
           <a:bodyPr anchor="b"/>
           <a:lstStyle>
             <a:lvl1pPr>
-              <a:defRPr sz="1664"/>
+              <a:defRPr sz="736"/>
             </a:lvl1pPr>
           </a:lstStyle>
           <a:p>
@@ -1941,39 +1941,39 @@
         </p:nvSpPr>
         <p:spPr>
           <a:xfrm>
-            <a:off x="2021308" y="539884"/>
-            <a:ext cx="2406998" cy="2664700"/>
+            <a:off x="894235" y="237028"/>
+            <a:ext cx="1064865" cy="1169896"/>
           </a:xfrm>
         </p:spPr>
         <p:txBody>
           <a:bodyPr/>
           <a:lstStyle>
             <a:lvl1pPr>
-              <a:defRPr sz="1664"/>
+              <a:defRPr sz="736"/>
             </a:lvl1pPr>
             <a:lvl2pPr>
-              <a:defRPr sz="1456"/>
+              <a:defRPr sz="644"/>
             </a:lvl2pPr>
             <a:lvl3pPr>
-              <a:defRPr sz="1248"/>
+              <a:defRPr sz="552"/>
             </a:lvl3pPr>
             <a:lvl4pPr>
-              <a:defRPr sz="1040"/>
+              <a:defRPr sz="460"/>
             </a:lvl4pPr>
             <a:lvl5pPr>
-              <a:defRPr sz="1040"/>
+              <a:defRPr sz="460"/>
             </a:lvl5pPr>
             <a:lvl6pPr>
-              <a:defRPr sz="1040"/>
+              <a:defRPr sz="460"/>
             </a:lvl6pPr>
             <a:lvl7pPr>
-              <a:defRPr sz="1040"/>
+              <a:defRPr sz="460"/>
             </a:lvl7pPr>
             <a:lvl8pPr>
-              <a:defRPr sz="1040"/>
+              <a:defRPr sz="460"/>
             </a:lvl8pPr>
             <a:lvl9pPr>
-              <a:defRPr sz="1040"/>
+              <a:defRPr sz="460"/>
             </a:lvl9pPr>
           </a:lstStyle>
           <a:p>
@@ -2026,8 +2026,8 @@
         </p:nvSpPr>
         <p:spPr>
           <a:xfrm>
-            <a:off x="327496" y="1124903"/>
-            <a:ext cx="1533470" cy="2084021"/>
+            <a:off x="144885" y="493871"/>
+            <a:ext cx="678414" cy="914958"/>
           </a:xfrm>
         </p:spPr>
         <p:txBody>
@@ -2035,39 +2035,39 @@
           <a:lstStyle>
             <a:lvl1pPr marL="0" indent="0">
               <a:buNone/>
-              <a:defRPr sz="832"/>
+              <a:defRPr sz="368"/>
             </a:lvl1pPr>
-            <a:lvl2pPr marL="237744" indent="0">
-              <a:buNone/>
-              <a:defRPr sz="728"/>
+            <a:lvl2pPr marL="105156" indent="0">
+              <a:buNone/>
+              <a:defRPr sz="322"/>
             </a:lvl2pPr>
-            <a:lvl3pPr marL="475488" indent="0">
-              <a:buNone/>
-              <a:defRPr sz="624"/>
+            <a:lvl3pPr marL="210312" indent="0">
+              <a:buNone/>
+              <a:defRPr sz="276"/>
             </a:lvl3pPr>
-            <a:lvl4pPr marL="713232" indent="0">
-              <a:buNone/>
-              <a:defRPr sz="520"/>
+            <a:lvl4pPr marL="315468" indent="0">
+              <a:buNone/>
+              <a:defRPr sz="230"/>
             </a:lvl4pPr>
-            <a:lvl5pPr marL="950976" indent="0">
-              <a:buNone/>
-              <a:defRPr sz="520"/>
+            <a:lvl5pPr marL="420624" indent="0">
+              <a:buNone/>
+              <a:defRPr sz="230"/>
             </a:lvl5pPr>
-            <a:lvl6pPr marL="1188720" indent="0">
-              <a:buNone/>
-              <a:defRPr sz="520"/>
+            <a:lvl6pPr marL="525780" indent="0">
+              <a:buNone/>
+              <a:defRPr sz="230"/>
             </a:lvl6pPr>
-            <a:lvl7pPr marL="1426464" indent="0">
-              <a:buNone/>
-              <a:defRPr sz="520"/>
+            <a:lvl7pPr marL="630936" indent="0">
+              <a:buNone/>
+              <a:defRPr sz="230"/>
             </a:lvl7pPr>
-            <a:lvl8pPr marL="1664208" indent="0">
-              <a:buNone/>
-              <a:defRPr sz="520"/>
+            <a:lvl8pPr marL="736092" indent="0">
+              <a:buNone/>
+              <a:defRPr sz="230"/>
             </a:lvl8pPr>
-            <a:lvl9pPr marL="1901952" indent="0">
-              <a:buNone/>
-              <a:defRPr sz="520"/>
+            <a:lvl9pPr marL="841248" indent="0">
+              <a:buNone/>
+              <a:defRPr sz="230"/>
             </a:lvl9pPr>
           </a:lstStyle>
           <a:p>
@@ -2096,7 +2096,7 @@
           <a:p>
             <a:fld id="{1D2DDFE7-4F41-48A8-85E8-BDE3A8061DB6}" type="datetimeFigureOut">
               <a:rPr lang="en-US" smtClean="0"/>
-              <a:t>3/4/2016</a:t>
+              <a:t>3/8/2016</a:t>
             </a:fld>
             <a:endParaRPr lang="en-US"/>
           </a:p>
@@ -2147,7 +2147,7 @@
     </p:spTree>
     <p:extLst>
       <p:ext uri="{BB962C8B-B14F-4D97-AF65-F5344CB8AC3E}">
-        <p14:creationId xmlns:p14="http://schemas.microsoft.com/office/powerpoint/2010/main" val="2315565918"/>
+        <p14:creationId xmlns:p14="http://schemas.microsoft.com/office/powerpoint/2010/main" val="3779291113"/>
       </p:ext>
     </p:extLst>
   </p:cSld>
@@ -2186,15 +2186,15 @@
         </p:nvSpPr>
         <p:spPr>
           <a:xfrm>
-            <a:off x="327496" y="249978"/>
-            <a:ext cx="1533470" cy="874924"/>
+            <a:off x="144885" y="109749"/>
+            <a:ext cx="678414" cy="384122"/>
           </a:xfrm>
         </p:spPr>
         <p:txBody>
           <a:bodyPr anchor="b"/>
           <a:lstStyle>
             <a:lvl1pPr>
-              <a:defRPr sz="1664"/>
+              <a:defRPr sz="736"/>
             </a:lvl1pPr>
           </a:lstStyle>
           <a:p>
@@ -2218,8 +2218,8 @@
         </p:nvSpPr>
         <p:spPr>
           <a:xfrm>
-            <a:off x="2021308" y="539884"/>
-            <a:ext cx="2406998" cy="2664700"/>
+            <a:off x="894235" y="237028"/>
+            <a:ext cx="1064865" cy="1169896"/>
           </a:xfrm>
         </p:spPr>
         <p:txBody>
@@ -2227,39 +2227,39 @@
           <a:lstStyle>
             <a:lvl1pPr marL="0" indent="0">
               <a:buNone/>
-              <a:defRPr sz="1664"/>
+              <a:defRPr sz="736"/>
             </a:lvl1pPr>
-            <a:lvl2pPr marL="237744" indent="0">
-              <a:buNone/>
-              <a:defRPr sz="1456"/>
+            <a:lvl2pPr marL="105156" indent="0">
+              <a:buNone/>
+              <a:defRPr sz="644"/>
             </a:lvl2pPr>
-            <a:lvl3pPr marL="475488" indent="0">
-              <a:buNone/>
-              <a:defRPr sz="1248"/>
+            <a:lvl3pPr marL="210312" indent="0">
+              <a:buNone/>
+              <a:defRPr sz="552"/>
             </a:lvl3pPr>
-            <a:lvl4pPr marL="713232" indent="0">
-              <a:buNone/>
-              <a:defRPr sz="1040"/>
+            <a:lvl4pPr marL="315468" indent="0">
+              <a:buNone/>
+              <a:defRPr sz="460"/>
             </a:lvl4pPr>
-            <a:lvl5pPr marL="950976" indent="0">
-              <a:buNone/>
-              <a:defRPr sz="1040"/>
+            <a:lvl5pPr marL="420624" indent="0">
+              <a:buNone/>
+              <a:defRPr sz="460"/>
             </a:lvl5pPr>
-            <a:lvl6pPr marL="1188720" indent="0">
-              <a:buNone/>
-              <a:defRPr sz="1040"/>
+            <a:lvl6pPr marL="525780" indent="0">
+              <a:buNone/>
+              <a:defRPr sz="460"/>
             </a:lvl6pPr>
-            <a:lvl7pPr marL="1426464" indent="0">
-              <a:buNone/>
-              <a:defRPr sz="1040"/>
+            <a:lvl7pPr marL="630936" indent="0">
+              <a:buNone/>
+              <a:defRPr sz="460"/>
             </a:lvl7pPr>
-            <a:lvl8pPr marL="1664208" indent="0">
-              <a:buNone/>
-              <a:defRPr sz="1040"/>
+            <a:lvl8pPr marL="736092" indent="0">
+              <a:buNone/>
+              <a:defRPr sz="460"/>
             </a:lvl8pPr>
-            <a:lvl9pPr marL="1901952" indent="0">
-              <a:buNone/>
-              <a:defRPr sz="1040"/>
+            <a:lvl9pPr marL="841248" indent="0">
+              <a:buNone/>
+              <a:defRPr sz="460"/>
             </a:lvl9pPr>
           </a:lstStyle>
           <a:p>
@@ -2283,8 +2283,8 @@
         </p:nvSpPr>
         <p:spPr>
           <a:xfrm>
-            <a:off x="327496" y="1124903"/>
-            <a:ext cx="1533470" cy="2084021"/>
+            <a:off x="144885" y="493871"/>
+            <a:ext cx="678414" cy="914958"/>
           </a:xfrm>
         </p:spPr>
         <p:txBody>
@@ -2292,39 +2292,39 @@
           <a:lstStyle>
             <a:lvl1pPr marL="0" indent="0">
               <a:buNone/>
-              <a:defRPr sz="832"/>
+              <a:defRPr sz="368"/>
             </a:lvl1pPr>
-            <a:lvl2pPr marL="237744" indent="0">
-              <a:buNone/>
-              <a:defRPr sz="728"/>
+            <a:lvl2pPr marL="105156" indent="0">
+              <a:buNone/>
+              <a:defRPr sz="322"/>
             </a:lvl2pPr>
-            <a:lvl3pPr marL="475488" indent="0">
-              <a:buNone/>
-              <a:defRPr sz="624"/>
+            <a:lvl3pPr marL="210312" indent="0">
+              <a:buNone/>
+              <a:defRPr sz="276"/>
             </a:lvl3pPr>
-            <a:lvl4pPr marL="713232" indent="0">
-              <a:buNone/>
-              <a:defRPr sz="520"/>
+            <a:lvl4pPr marL="315468" indent="0">
+              <a:buNone/>
+              <a:defRPr sz="230"/>
             </a:lvl4pPr>
-            <a:lvl5pPr marL="950976" indent="0">
-              <a:buNone/>
-              <a:defRPr sz="520"/>
+            <a:lvl5pPr marL="420624" indent="0">
+              <a:buNone/>
+              <a:defRPr sz="230"/>
             </a:lvl5pPr>
-            <a:lvl6pPr marL="1188720" indent="0">
-              <a:buNone/>
-              <a:defRPr sz="520"/>
+            <a:lvl6pPr marL="525780" indent="0">
+              <a:buNone/>
+              <a:defRPr sz="230"/>
             </a:lvl6pPr>
-            <a:lvl7pPr marL="1426464" indent="0">
-              <a:buNone/>
-              <a:defRPr sz="520"/>
+            <a:lvl7pPr marL="630936" indent="0">
+              <a:buNone/>
+              <a:defRPr sz="230"/>
             </a:lvl7pPr>
-            <a:lvl8pPr marL="1664208" indent="0">
-              <a:buNone/>
-              <a:defRPr sz="520"/>
+            <a:lvl8pPr marL="736092" indent="0">
+              <a:buNone/>
+              <a:defRPr sz="230"/>
             </a:lvl8pPr>
-            <a:lvl9pPr marL="1901952" indent="0">
-              <a:buNone/>
-              <a:defRPr sz="520"/>
+            <a:lvl9pPr marL="841248" indent="0">
+              <a:buNone/>
+              <a:defRPr sz="230"/>
             </a:lvl9pPr>
           </a:lstStyle>
           <a:p>
@@ -2353,7 +2353,7 @@
           <a:p>
             <a:fld id="{1D2DDFE7-4F41-48A8-85E8-BDE3A8061DB6}" type="datetimeFigureOut">
               <a:rPr lang="en-US" smtClean="0"/>
-              <a:t>3/4/2016</a:t>
+              <a:t>3/8/2016</a:t>
             </a:fld>
             <a:endParaRPr lang="en-US"/>
           </a:p>
@@ -2404,7 +2404,7 @@
     </p:spTree>
     <p:extLst>
       <p:ext uri="{BB962C8B-B14F-4D97-AF65-F5344CB8AC3E}">
-        <p14:creationId xmlns:p14="http://schemas.microsoft.com/office/powerpoint/2010/main" val="419989347"/>
+        <p14:creationId xmlns:p14="http://schemas.microsoft.com/office/powerpoint/2010/main" val="1062347918"/>
       </p:ext>
     </p:extLst>
   </p:cSld>
@@ -2448,8 +2448,8 @@
         </p:nvSpPr>
         <p:spPr>
           <a:xfrm>
-            <a:off x="326876" y="199636"/>
-            <a:ext cx="4100811" cy="724764"/>
+            <a:off x="144612" y="87647"/>
+            <a:ext cx="1814215" cy="318197"/>
           </a:xfrm>
           <a:prstGeom prst="rect">
             <a:avLst/>
@@ -2481,8 +2481,8 @@
         </p:nvSpPr>
         <p:spPr>
           <a:xfrm>
-            <a:off x="326876" y="998178"/>
-            <a:ext cx="4100811" cy="2379134"/>
+            <a:off x="144612" y="438235"/>
+            <a:ext cx="1814215" cy="1044523"/>
           </a:xfrm>
           <a:prstGeom prst="rect">
             <a:avLst/>
@@ -2543,8 +2543,8 @@
         </p:nvSpPr>
         <p:spPr>
           <a:xfrm>
-            <a:off x="326876" y="3475394"/>
-            <a:ext cx="1069777" cy="199635"/>
+            <a:off x="144611" y="1525819"/>
+            <a:ext cx="473274" cy="87647"/>
           </a:xfrm>
           <a:prstGeom prst="rect">
             <a:avLst/>
@@ -2554,7 +2554,7 @@
           <a:bodyPr vert="horz" lIns="91440" tIns="45720" rIns="91440" bIns="45720" rtlCol="0" anchor="ctr"/>
           <a:lstStyle>
             <a:lvl1pPr algn="l">
-              <a:defRPr sz="624">
+              <a:defRPr sz="276">
                 <a:solidFill>
                   <a:schemeClr val="tx1">
                     <a:tint val="75000"/>
@@ -2566,7 +2566,7 @@
           <a:p>
             <a:fld id="{1D2DDFE7-4F41-48A8-85E8-BDE3A8061DB6}" type="datetimeFigureOut">
               <a:rPr lang="en-US" smtClean="0"/>
-              <a:t>3/4/2016</a:t>
+              <a:t>3/8/2016</a:t>
             </a:fld>
             <a:endParaRPr lang="en-US"/>
           </a:p>
@@ -2584,8 +2584,8 @@
         </p:nvSpPr>
         <p:spPr>
           <a:xfrm>
-            <a:off x="1574949" y="3475394"/>
-            <a:ext cx="1604665" cy="199635"/>
+            <a:off x="696764" y="1525819"/>
+            <a:ext cx="709910" cy="87647"/>
           </a:xfrm>
           <a:prstGeom prst="rect">
             <a:avLst/>
@@ -2595,7 +2595,7 @@
           <a:bodyPr vert="horz" lIns="91440" tIns="45720" rIns="91440" bIns="45720" rtlCol="0" anchor="ctr"/>
           <a:lstStyle>
             <a:lvl1pPr algn="ctr">
-              <a:defRPr sz="624">
+              <a:defRPr sz="276">
                 <a:solidFill>
                   <a:schemeClr val="tx1">
                     <a:tint val="75000"/>
@@ -2621,8 +2621,8 @@
         </p:nvSpPr>
         <p:spPr>
           <a:xfrm>
-            <a:off x="3357910" y="3475394"/>
-            <a:ext cx="1069777" cy="199635"/>
+            <a:off x="1485553" y="1525819"/>
+            <a:ext cx="473274" cy="87647"/>
           </a:xfrm>
           <a:prstGeom prst="rect">
             <a:avLst/>
@@ -2632,7 +2632,7 @@
           <a:bodyPr vert="horz" lIns="91440" tIns="45720" rIns="91440" bIns="45720" rtlCol="0" anchor="ctr"/>
           <a:lstStyle>
             <a:lvl1pPr algn="r">
-              <a:defRPr sz="624">
+              <a:defRPr sz="276">
                 <a:solidFill>
                   <a:schemeClr val="tx1">
                     <a:tint val="75000"/>
@@ -2653,27 +2653,27 @@
     </p:spTree>
     <p:extLst>
       <p:ext uri="{BB962C8B-B14F-4D97-AF65-F5344CB8AC3E}">
-        <p14:creationId xmlns:p14="http://schemas.microsoft.com/office/powerpoint/2010/main" val="2117322299"/>
+        <p14:creationId xmlns:p14="http://schemas.microsoft.com/office/powerpoint/2010/main" val="1357069271"/>
       </p:ext>
     </p:extLst>
   </p:cSld>
   <p:clrMap bg1="lt1" tx1="dk1" bg2="lt2" tx2="dk2" accent1="accent1" accent2="accent2" accent3="accent3" accent4="accent4" accent5="accent5" accent6="accent6" hlink="hlink" folHlink="folHlink"/>
   <p:sldLayoutIdLst>
-    <p:sldLayoutId id="2147483709" r:id="rId1"/>
-    <p:sldLayoutId id="2147483710" r:id="rId2"/>
-    <p:sldLayoutId id="2147483711" r:id="rId3"/>
-    <p:sldLayoutId id="2147483712" r:id="rId4"/>
-    <p:sldLayoutId id="2147483713" r:id="rId5"/>
-    <p:sldLayoutId id="2147483714" r:id="rId6"/>
-    <p:sldLayoutId id="2147483715" r:id="rId7"/>
-    <p:sldLayoutId id="2147483716" r:id="rId8"/>
-    <p:sldLayoutId id="2147483717" r:id="rId9"/>
-    <p:sldLayoutId id="2147483718" r:id="rId10"/>
-    <p:sldLayoutId id="2147483719" r:id="rId11"/>
+    <p:sldLayoutId id="2147483757" r:id="rId1"/>
+    <p:sldLayoutId id="2147483758" r:id="rId2"/>
+    <p:sldLayoutId id="2147483759" r:id="rId3"/>
+    <p:sldLayoutId id="2147483760" r:id="rId4"/>
+    <p:sldLayoutId id="2147483761" r:id="rId5"/>
+    <p:sldLayoutId id="2147483762" r:id="rId6"/>
+    <p:sldLayoutId id="2147483763" r:id="rId7"/>
+    <p:sldLayoutId id="2147483764" r:id="rId8"/>
+    <p:sldLayoutId id="2147483765" r:id="rId9"/>
+    <p:sldLayoutId id="2147483766" r:id="rId10"/>
+    <p:sldLayoutId id="2147483767" r:id="rId11"/>
   </p:sldLayoutIdLst>
   <p:txStyles>
     <p:titleStyle>
-      <a:lvl1pPr algn="l" defTabSz="475488" rtl="0" eaLnBrk="1" latinLnBrk="0" hangingPunct="1">
+      <a:lvl1pPr algn="l" defTabSz="210312" rtl="0" eaLnBrk="1" latinLnBrk="0" hangingPunct="1">
         <a:lnSpc>
           <a:spcPct val="90000"/>
         </a:lnSpc>
@@ -2681,7 +2681,7 @@
           <a:spcPct val="0"/>
         </a:spcBef>
         <a:buNone/>
-        <a:defRPr sz="2288" kern="1200">
+        <a:defRPr sz="1012" kern="1200">
           <a:solidFill>
             <a:schemeClr val="tx1"/>
           </a:solidFill>
@@ -2692,16 +2692,16 @@
       </a:lvl1pPr>
     </p:titleStyle>
     <p:bodyStyle>
-      <a:lvl1pPr marL="118872" indent="-118872" algn="l" defTabSz="475488" rtl="0" eaLnBrk="1" latinLnBrk="0" hangingPunct="1">
+      <a:lvl1pPr marL="52578" indent="-52578" algn="l" defTabSz="210312" rtl="0" eaLnBrk="1" latinLnBrk="0" hangingPunct="1">
         <a:lnSpc>
           <a:spcPct val="90000"/>
         </a:lnSpc>
         <a:spcBef>
-          <a:spcPts val="520"/>
+          <a:spcPts val="230"/>
         </a:spcBef>
         <a:buFont typeface="Arial" panose="020B0604020202020204" pitchFamily="34" charset="0"/>
         <a:buChar char="•"/>
-        <a:defRPr sz="1456" kern="1200">
+        <a:defRPr sz="644" kern="1200">
           <a:solidFill>
             <a:schemeClr val="tx1"/>
           </a:solidFill>
@@ -2710,16 +2710,16 @@
           <a:cs typeface="+mn-cs"/>
         </a:defRPr>
       </a:lvl1pPr>
-      <a:lvl2pPr marL="356616" indent="-118872" algn="l" defTabSz="475488" rtl="0" eaLnBrk="1" latinLnBrk="0" hangingPunct="1">
+      <a:lvl2pPr marL="157734" indent="-52578" algn="l" defTabSz="210312" rtl="0" eaLnBrk="1" latinLnBrk="0" hangingPunct="1">
         <a:lnSpc>
           <a:spcPct val="90000"/>
         </a:lnSpc>
         <a:spcBef>
-          <a:spcPts val="260"/>
+          <a:spcPts val="115"/>
         </a:spcBef>
         <a:buFont typeface="Arial" panose="020B0604020202020204" pitchFamily="34" charset="0"/>
         <a:buChar char="•"/>
-        <a:defRPr sz="1248" kern="1200">
+        <a:defRPr sz="552" kern="1200">
           <a:solidFill>
             <a:schemeClr val="tx1"/>
           </a:solidFill>
@@ -2728,16 +2728,16 @@
           <a:cs typeface="+mn-cs"/>
         </a:defRPr>
       </a:lvl2pPr>
-      <a:lvl3pPr marL="594360" indent="-118872" algn="l" defTabSz="475488" rtl="0" eaLnBrk="1" latinLnBrk="0" hangingPunct="1">
+      <a:lvl3pPr marL="262890" indent="-52578" algn="l" defTabSz="210312" rtl="0" eaLnBrk="1" latinLnBrk="0" hangingPunct="1">
         <a:lnSpc>
           <a:spcPct val="90000"/>
         </a:lnSpc>
         <a:spcBef>
-          <a:spcPts val="260"/>
+          <a:spcPts val="115"/>
         </a:spcBef>
         <a:buFont typeface="Arial" panose="020B0604020202020204" pitchFamily="34" charset="0"/>
         <a:buChar char="•"/>
-        <a:defRPr sz="1040" kern="1200">
+        <a:defRPr sz="460" kern="1200">
           <a:solidFill>
             <a:schemeClr val="tx1"/>
           </a:solidFill>
@@ -2746,16 +2746,16 @@
           <a:cs typeface="+mn-cs"/>
         </a:defRPr>
       </a:lvl3pPr>
-      <a:lvl4pPr marL="832104" indent="-118872" algn="l" defTabSz="475488" rtl="0" eaLnBrk="1" latinLnBrk="0" hangingPunct="1">
+      <a:lvl4pPr marL="368046" indent="-52578" algn="l" defTabSz="210312" rtl="0" eaLnBrk="1" latinLnBrk="0" hangingPunct="1">
         <a:lnSpc>
           <a:spcPct val="90000"/>
         </a:lnSpc>
         <a:spcBef>
-          <a:spcPts val="260"/>
+          <a:spcPts val="115"/>
         </a:spcBef>
         <a:buFont typeface="Arial" panose="020B0604020202020204" pitchFamily="34" charset="0"/>
         <a:buChar char="•"/>
-        <a:defRPr sz="936" kern="1200">
+        <a:defRPr sz="414" kern="1200">
           <a:solidFill>
             <a:schemeClr val="tx1"/>
           </a:solidFill>
@@ -2764,16 +2764,16 @@
           <a:cs typeface="+mn-cs"/>
         </a:defRPr>
       </a:lvl4pPr>
-      <a:lvl5pPr marL="1069848" indent="-118872" algn="l" defTabSz="475488" rtl="0" eaLnBrk="1" latinLnBrk="0" hangingPunct="1">
+      <a:lvl5pPr marL="473202" indent="-52578" algn="l" defTabSz="210312" rtl="0" eaLnBrk="1" latinLnBrk="0" hangingPunct="1">
         <a:lnSpc>
           <a:spcPct val="90000"/>
         </a:lnSpc>
         <a:spcBef>
-          <a:spcPts val="260"/>
+          <a:spcPts val="115"/>
         </a:spcBef>
         <a:buFont typeface="Arial" panose="020B0604020202020204" pitchFamily="34" charset="0"/>
         <a:buChar char="•"/>
-        <a:defRPr sz="936" kern="1200">
+        <a:defRPr sz="414" kern="1200">
           <a:solidFill>
             <a:schemeClr val="tx1"/>
           </a:solidFill>
@@ -2782,16 +2782,16 @@
           <a:cs typeface="+mn-cs"/>
         </a:defRPr>
       </a:lvl5pPr>
-      <a:lvl6pPr marL="1307592" indent="-118872" algn="l" defTabSz="475488" rtl="0" eaLnBrk="1" latinLnBrk="0" hangingPunct="1">
+      <a:lvl6pPr marL="578358" indent="-52578" algn="l" defTabSz="210312" rtl="0" eaLnBrk="1" latinLnBrk="0" hangingPunct="1">
         <a:lnSpc>
           <a:spcPct val="90000"/>
         </a:lnSpc>
         <a:spcBef>
-          <a:spcPts val="260"/>
+          <a:spcPts val="115"/>
         </a:spcBef>
         <a:buFont typeface="Arial" panose="020B0604020202020204" pitchFamily="34" charset="0"/>
         <a:buChar char="•"/>
-        <a:defRPr sz="936" kern="1200">
+        <a:defRPr sz="414" kern="1200">
           <a:solidFill>
             <a:schemeClr val="tx1"/>
           </a:solidFill>
@@ -2800,16 +2800,16 @@
           <a:cs typeface="+mn-cs"/>
         </a:defRPr>
       </a:lvl6pPr>
-      <a:lvl7pPr marL="1545336" indent="-118872" algn="l" defTabSz="475488" rtl="0" eaLnBrk="1" latinLnBrk="0" hangingPunct="1">
+      <a:lvl7pPr marL="683514" indent="-52578" algn="l" defTabSz="210312" rtl="0" eaLnBrk="1" latinLnBrk="0" hangingPunct="1">
         <a:lnSpc>
           <a:spcPct val="90000"/>
         </a:lnSpc>
         <a:spcBef>
-          <a:spcPts val="260"/>
+          <a:spcPts val="115"/>
         </a:spcBef>
         <a:buFont typeface="Arial" panose="020B0604020202020204" pitchFamily="34" charset="0"/>
         <a:buChar char="•"/>
-        <a:defRPr sz="936" kern="1200">
+        <a:defRPr sz="414" kern="1200">
           <a:solidFill>
             <a:schemeClr val="tx1"/>
           </a:solidFill>
@@ -2818,16 +2818,16 @@
           <a:cs typeface="+mn-cs"/>
         </a:defRPr>
       </a:lvl7pPr>
-      <a:lvl8pPr marL="1783080" indent="-118872" algn="l" defTabSz="475488" rtl="0" eaLnBrk="1" latinLnBrk="0" hangingPunct="1">
+      <a:lvl8pPr marL="788670" indent="-52578" algn="l" defTabSz="210312" rtl="0" eaLnBrk="1" latinLnBrk="0" hangingPunct="1">
         <a:lnSpc>
           <a:spcPct val="90000"/>
         </a:lnSpc>
         <a:spcBef>
-          <a:spcPts val="260"/>
+          <a:spcPts val="115"/>
         </a:spcBef>
         <a:buFont typeface="Arial" panose="020B0604020202020204" pitchFamily="34" charset="0"/>
         <a:buChar char="•"/>
-        <a:defRPr sz="936" kern="1200">
+        <a:defRPr sz="414" kern="1200">
           <a:solidFill>
             <a:schemeClr val="tx1"/>
           </a:solidFill>
@@ -2836,16 +2836,16 @@
           <a:cs typeface="+mn-cs"/>
         </a:defRPr>
       </a:lvl8pPr>
-      <a:lvl9pPr marL="2020824" indent="-118872" algn="l" defTabSz="475488" rtl="0" eaLnBrk="1" latinLnBrk="0" hangingPunct="1">
+      <a:lvl9pPr marL="893826" indent="-52578" algn="l" defTabSz="210312" rtl="0" eaLnBrk="1" latinLnBrk="0" hangingPunct="1">
         <a:lnSpc>
           <a:spcPct val="90000"/>
         </a:lnSpc>
         <a:spcBef>
-          <a:spcPts val="260"/>
+          <a:spcPts val="115"/>
         </a:spcBef>
         <a:buFont typeface="Arial" panose="020B0604020202020204" pitchFamily="34" charset="0"/>
         <a:buChar char="•"/>
-        <a:defRPr sz="936" kern="1200">
+        <a:defRPr sz="414" kern="1200">
           <a:solidFill>
             <a:schemeClr val="tx1"/>
           </a:solidFill>
@@ -2859,8 +2859,8 @@
       <a:defPPr>
         <a:defRPr lang="en-US"/>
       </a:defPPr>
-      <a:lvl1pPr marL="0" algn="l" defTabSz="475488" rtl="0" eaLnBrk="1" latinLnBrk="0" hangingPunct="1">
-        <a:defRPr sz="936" kern="1200">
+      <a:lvl1pPr marL="0" algn="l" defTabSz="210312" rtl="0" eaLnBrk="1" latinLnBrk="0" hangingPunct="1">
+        <a:defRPr sz="414" kern="1200">
           <a:solidFill>
             <a:schemeClr val="tx1"/>
           </a:solidFill>
@@ -2869,8 +2869,8 @@
           <a:cs typeface="+mn-cs"/>
         </a:defRPr>
       </a:lvl1pPr>
-      <a:lvl2pPr marL="237744" algn="l" defTabSz="475488" rtl="0" eaLnBrk="1" latinLnBrk="0" hangingPunct="1">
-        <a:defRPr sz="936" kern="1200">
+      <a:lvl2pPr marL="105156" algn="l" defTabSz="210312" rtl="0" eaLnBrk="1" latinLnBrk="0" hangingPunct="1">
+        <a:defRPr sz="414" kern="1200">
           <a:solidFill>
             <a:schemeClr val="tx1"/>
           </a:solidFill>
@@ -2879,8 +2879,8 @@
           <a:cs typeface="+mn-cs"/>
         </a:defRPr>
       </a:lvl2pPr>
-      <a:lvl3pPr marL="475488" algn="l" defTabSz="475488" rtl="0" eaLnBrk="1" latinLnBrk="0" hangingPunct="1">
-        <a:defRPr sz="936" kern="1200">
+      <a:lvl3pPr marL="210312" algn="l" defTabSz="210312" rtl="0" eaLnBrk="1" latinLnBrk="0" hangingPunct="1">
+        <a:defRPr sz="414" kern="1200">
           <a:solidFill>
             <a:schemeClr val="tx1"/>
           </a:solidFill>
@@ -2889,8 +2889,8 @@
           <a:cs typeface="+mn-cs"/>
         </a:defRPr>
       </a:lvl3pPr>
-      <a:lvl4pPr marL="713232" algn="l" defTabSz="475488" rtl="0" eaLnBrk="1" latinLnBrk="0" hangingPunct="1">
-        <a:defRPr sz="936" kern="1200">
+      <a:lvl4pPr marL="315468" algn="l" defTabSz="210312" rtl="0" eaLnBrk="1" latinLnBrk="0" hangingPunct="1">
+        <a:defRPr sz="414" kern="1200">
           <a:solidFill>
             <a:schemeClr val="tx1"/>
           </a:solidFill>
@@ -2899,8 +2899,8 @@
           <a:cs typeface="+mn-cs"/>
         </a:defRPr>
       </a:lvl4pPr>
-      <a:lvl5pPr marL="950976" algn="l" defTabSz="475488" rtl="0" eaLnBrk="1" latinLnBrk="0" hangingPunct="1">
-        <a:defRPr sz="936" kern="1200">
+      <a:lvl5pPr marL="420624" algn="l" defTabSz="210312" rtl="0" eaLnBrk="1" latinLnBrk="0" hangingPunct="1">
+        <a:defRPr sz="414" kern="1200">
           <a:solidFill>
             <a:schemeClr val="tx1"/>
           </a:solidFill>
@@ -2909,8 +2909,8 @@
           <a:cs typeface="+mn-cs"/>
         </a:defRPr>
       </a:lvl5pPr>
-      <a:lvl6pPr marL="1188720" algn="l" defTabSz="475488" rtl="0" eaLnBrk="1" latinLnBrk="0" hangingPunct="1">
-        <a:defRPr sz="936" kern="1200">
+      <a:lvl6pPr marL="525780" algn="l" defTabSz="210312" rtl="0" eaLnBrk="1" latinLnBrk="0" hangingPunct="1">
+        <a:defRPr sz="414" kern="1200">
           <a:solidFill>
             <a:schemeClr val="tx1"/>
           </a:solidFill>
@@ -2919,8 +2919,8 @@
           <a:cs typeface="+mn-cs"/>
         </a:defRPr>
       </a:lvl6pPr>
-      <a:lvl7pPr marL="1426464" algn="l" defTabSz="475488" rtl="0" eaLnBrk="1" latinLnBrk="0" hangingPunct="1">
-        <a:defRPr sz="936" kern="1200">
+      <a:lvl7pPr marL="630936" algn="l" defTabSz="210312" rtl="0" eaLnBrk="1" latinLnBrk="0" hangingPunct="1">
+        <a:defRPr sz="414" kern="1200">
           <a:solidFill>
             <a:schemeClr val="tx1"/>
           </a:solidFill>
@@ -2929,8 +2929,8 @@
           <a:cs typeface="+mn-cs"/>
         </a:defRPr>
       </a:lvl7pPr>
-      <a:lvl8pPr marL="1664208" algn="l" defTabSz="475488" rtl="0" eaLnBrk="1" latinLnBrk="0" hangingPunct="1">
-        <a:defRPr sz="936" kern="1200">
+      <a:lvl8pPr marL="736092" algn="l" defTabSz="210312" rtl="0" eaLnBrk="1" latinLnBrk="0" hangingPunct="1">
+        <a:defRPr sz="414" kern="1200">
           <a:solidFill>
             <a:schemeClr val="tx1"/>
           </a:solidFill>
@@ -2939,8 +2939,8 @@
           <a:cs typeface="+mn-cs"/>
         </a:defRPr>
       </a:lvl8pPr>
-      <a:lvl9pPr marL="1901952" algn="l" defTabSz="475488" rtl="0" eaLnBrk="1" latinLnBrk="0" hangingPunct="1">
-        <a:defRPr sz="936" kern="1200">
+      <a:lvl9pPr marL="841248" algn="l" defTabSz="210312" rtl="0" eaLnBrk="1" latinLnBrk="0" hangingPunct="1">
+        <a:defRPr sz="414" kern="1200">
           <a:solidFill>
             <a:schemeClr val="tx1"/>
           </a:solidFill>
@@ -2971,36 +2971,104 @@
           <a:chExt cx="0" cy="0"/>
         </a:xfrm>
       </p:grpSpPr>
-      <p:pic>
-        <p:nvPicPr>
-          <p:cNvPr id="2" name="Picture 1"/>
-          <p:cNvPicPr>
-            <a:picLocks noChangeAspect="1"/>
-          </p:cNvPicPr>
+      <p:grpSp>
+        <p:nvGrpSpPr>
+          <p:cNvPr id="5" name="Group 4"/>
+          <p:cNvGrpSpPr/>
           <p:nvPr/>
-        </p:nvPicPr>
-        <p:blipFill>
-          <a:blip r:embed="rId2">
-            <a:extLst>
-              <a:ext uri="{28A0092B-C50C-407E-A947-70E740481C1C}">
-                <a14:useLocalDpi xmlns:a14="http://schemas.microsoft.com/office/drawing/2010/main" val="0"/>
-              </a:ext>
-            </a:extLst>
-          </a:blip>
-          <a:stretch>
-            <a:fillRect/>
-          </a:stretch>
-        </p:blipFill>
-        <p:spPr>
+        </p:nvGrpSpPr>
+        <p:grpSpPr>
           <a:xfrm>
-            <a:off x="0" y="59847"/>
-            <a:ext cx="4754563" cy="3599998"/>
+            <a:off x="0" y="-91755"/>
+            <a:ext cx="2282186" cy="1737993"/>
+            <a:chOff x="7" y="49856"/>
+            <a:chExt cx="2282186" cy="1737993"/>
           </a:xfrm>
-          <a:prstGeom prst="rect">
-            <a:avLst/>
-          </a:prstGeom>
-        </p:spPr>
-      </p:pic>
+        </p:grpSpPr>
+        <p:pic>
+          <p:nvPicPr>
+            <p:cNvPr id="2" name="Picture 1"/>
+            <p:cNvPicPr>
+              <a:picLocks noChangeAspect="1"/>
+            </p:cNvPicPr>
+            <p:nvPr/>
+          </p:nvPicPr>
+          <p:blipFill>
+            <a:blip r:embed="rId2" cstate="print">
+              <a:extLst>
+                <a:ext uri="{28A0092B-C50C-407E-A947-70E740481C1C}">
+                  <a14:useLocalDpi xmlns:a14="http://schemas.microsoft.com/office/drawing/2010/main" val="0"/>
+                </a:ext>
+              </a:extLst>
+            </a:blip>
+            <a:stretch>
+              <a:fillRect/>
+            </a:stretch>
+          </p:blipFill>
+          <p:spPr>
+            <a:xfrm>
+              <a:off x="7" y="59850"/>
+              <a:ext cx="2282186" cy="1727999"/>
+            </a:xfrm>
+            <a:prstGeom prst="rect">
+              <a:avLst/>
+            </a:prstGeom>
+          </p:spPr>
+        </p:pic>
+        <p:sp>
+          <p:nvSpPr>
+            <p:cNvPr id="3" name="Rectangle 2"/>
+            <p:cNvSpPr/>
+            <p:nvPr/>
+          </p:nvSpPr>
+          <p:spPr>
+            <a:xfrm>
+              <a:off x="244839" y="49856"/>
+              <a:ext cx="1873772" cy="129588"/>
+            </a:xfrm>
+            <a:prstGeom prst="rect">
+              <a:avLst/>
+            </a:prstGeom>
+            <a:solidFill>
+              <a:schemeClr val="bg1"/>
+            </a:solidFill>
+            <a:ln>
+              <a:solidFill>
+                <a:schemeClr val="bg1"/>
+              </a:solidFill>
+            </a:ln>
+          </p:spPr>
+          <p:style>
+            <a:lnRef idx="2">
+              <a:schemeClr val="accent1">
+                <a:shade val="50000"/>
+              </a:schemeClr>
+            </a:lnRef>
+            <a:fillRef idx="1">
+              <a:schemeClr val="accent1"/>
+            </a:fillRef>
+            <a:effectRef idx="0">
+              <a:schemeClr val="accent1"/>
+            </a:effectRef>
+            <a:fontRef idx="minor">
+              <a:schemeClr val="lt1"/>
+            </a:fontRef>
+          </p:style>
+          <p:txBody>
+            <a:bodyPr rot="0" spcFirstLastPara="0" vertOverflow="overflow" horzOverflow="overflow" vert="horz" wrap="square" lIns="91440" tIns="45720" rIns="91440" bIns="45720" numCol="1" spcCol="0" rtlCol="0" fromWordArt="0" anchor="ctr" anchorCtr="0" forceAA="0" compatLnSpc="1">
+              <a:prstTxWarp prst="textNoShape">
+                <a:avLst/>
+              </a:prstTxWarp>
+              <a:noAutofit/>
+            </a:bodyPr>
+            <a:lstStyle/>
+            <a:p>
+              <a:pPr algn="ctr"/>
+              <a:endParaRPr lang="en-US"/>
+            </a:p>
+          </p:txBody>
+        </p:sp>
+      </p:grpSp>
     </p:spTree>
     <p:extLst>
       <p:ext uri="{BB962C8B-B14F-4D97-AF65-F5344CB8AC3E}">

--- a/Seismic Drones/CASE-2016/pictures/angle_box_plot.pptx
+++ b/Seismic Drones/CASE-2016/pictures/angle_box_plot.pptx
@@ -243,7 +243,7 @@
           <a:p>
             <a:fld id="{1D2DDFE7-4F41-48A8-85E8-BDE3A8061DB6}" type="datetimeFigureOut">
               <a:rPr lang="en-US" smtClean="0"/>
-              <a:t>3/8/2016</a:t>
+              <a:t>3/10/2016</a:t>
             </a:fld>
             <a:endParaRPr lang="en-US"/>
           </a:p>
@@ -413,7 +413,7 @@
           <a:p>
             <a:fld id="{1D2DDFE7-4F41-48A8-85E8-BDE3A8061DB6}" type="datetimeFigureOut">
               <a:rPr lang="en-US" smtClean="0"/>
-              <a:t>3/8/2016</a:t>
+              <a:t>3/10/2016</a:t>
             </a:fld>
             <a:endParaRPr lang="en-US"/>
           </a:p>
@@ -593,7 +593,7 @@
           <a:p>
             <a:fld id="{1D2DDFE7-4F41-48A8-85E8-BDE3A8061DB6}" type="datetimeFigureOut">
               <a:rPr lang="en-US" smtClean="0"/>
-              <a:t>3/8/2016</a:t>
+              <a:t>3/10/2016</a:t>
             </a:fld>
             <a:endParaRPr lang="en-US"/>
           </a:p>
@@ -763,7 +763,7 @@
           <a:p>
             <a:fld id="{1D2DDFE7-4F41-48A8-85E8-BDE3A8061DB6}" type="datetimeFigureOut">
               <a:rPr lang="en-US" smtClean="0"/>
-              <a:t>3/8/2016</a:t>
+              <a:t>3/10/2016</a:t>
             </a:fld>
             <a:endParaRPr lang="en-US"/>
           </a:p>
@@ -1007,7 +1007,7 @@
           <a:p>
             <a:fld id="{1D2DDFE7-4F41-48A8-85E8-BDE3A8061DB6}" type="datetimeFigureOut">
               <a:rPr lang="en-US" smtClean="0"/>
-              <a:t>3/8/2016</a:t>
+              <a:t>3/10/2016</a:t>
             </a:fld>
             <a:endParaRPr lang="en-US"/>
           </a:p>
@@ -1239,7 +1239,7 @@
           <a:p>
             <a:fld id="{1D2DDFE7-4F41-48A8-85E8-BDE3A8061DB6}" type="datetimeFigureOut">
               <a:rPr lang="en-US" smtClean="0"/>
-              <a:t>3/8/2016</a:t>
+              <a:t>3/10/2016</a:t>
             </a:fld>
             <a:endParaRPr lang="en-US"/>
           </a:p>
@@ -1606,7 +1606,7 @@
           <a:p>
             <a:fld id="{1D2DDFE7-4F41-48A8-85E8-BDE3A8061DB6}" type="datetimeFigureOut">
               <a:rPr lang="en-US" smtClean="0"/>
-              <a:t>3/8/2016</a:t>
+              <a:t>3/10/2016</a:t>
             </a:fld>
             <a:endParaRPr lang="en-US"/>
           </a:p>
@@ -1724,7 +1724,7 @@
           <a:p>
             <a:fld id="{1D2DDFE7-4F41-48A8-85E8-BDE3A8061DB6}" type="datetimeFigureOut">
               <a:rPr lang="en-US" smtClean="0"/>
-              <a:t>3/8/2016</a:t>
+              <a:t>3/10/2016</a:t>
             </a:fld>
             <a:endParaRPr lang="en-US"/>
           </a:p>
@@ -1819,7 +1819,7 @@
           <a:p>
             <a:fld id="{1D2DDFE7-4F41-48A8-85E8-BDE3A8061DB6}" type="datetimeFigureOut">
               <a:rPr lang="en-US" smtClean="0"/>
-              <a:t>3/8/2016</a:t>
+              <a:t>3/10/2016</a:t>
             </a:fld>
             <a:endParaRPr lang="en-US"/>
           </a:p>
@@ -2096,7 +2096,7 @@
           <a:p>
             <a:fld id="{1D2DDFE7-4F41-48A8-85E8-BDE3A8061DB6}" type="datetimeFigureOut">
               <a:rPr lang="en-US" smtClean="0"/>
-              <a:t>3/8/2016</a:t>
+              <a:t>3/10/2016</a:t>
             </a:fld>
             <a:endParaRPr lang="en-US"/>
           </a:p>
@@ -2353,7 +2353,7 @@
           <a:p>
             <a:fld id="{1D2DDFE7-4F41-48A8-85E8-BDE3A8061DB6}" type="datetimeFigureOut">
               <a:rPr lang="en-US" smtClean="0"/>
-              <a:t>3/8/2016</a:t>
+              <a:t>3/10/2016</a:t>
             </a:fld>
             <a:endParaRPr lang="en-US"/>
           </a:p>
@@ -2566,7 +2566,7 @@
           <a:p>
             <a:fld id="{1D2DDFE7-4F41-48A8-85E8-BDE3A8061DB6}" type="datetimeFigureOut">
               <a:rPr lang="en-US" smtClean="0"/>
-              <a:t>3/8/2016</a:t>
+              <a:t>3/10/2016</a:t>
             </a:fld>
             <a:endParaRPr lang="en-US"/>
           </a:p>
@@ -3069,6 +3069,365 @@
           </p:txBody>
         </p:sp>
       </p:grpSp>
+      <p:grpSp>
+        <p:nvGrpSpPr>
+          <p:cNvPr id="12" name="Group 11"/>
+          <p:cNvGrpSpPr>
+            <a:grpSpLocks noChangeAspect="1"/>
+          </p:cNvGrpSpPr>
+          <p:nvPr/>
+        </p:nvGrpSpPr>
+        <p:grpSpPr>
+          <a:xfrm>
+            <a:off x="1542275" y="1043192"/>
+            <a:ext cx="119176" cy="309466"/>
+            <a:chOff x="6728184" y="4709640"/>
+            <a:chExt cx="294968" cy="1012723"/>
+          </a:xfrm>
+        </p:grpSpPr>
+        <p:sp>
+          <p:nvSpPr>
+            <p:cNvPr id="13" name="Rounded Rectangle 12"/>
+            <p:cNvSpPr/>
+            <p:nvPr/>
+          </p:nvSpPr>
+          <p:spPr>
+            <a:xfrm>
+              <a:off x="6728184" y="4709640"/>
+              <a:ext cx="294968" cy="521110"/>
+            </a:xfrm>
+            <a:prstGeom prst="roundRect">
+              <a:avLst/>
+            </a:prstGeom>
+            <a:solidFill>
+              <a:srgbClr val="FFC000"/>
+            </a:solidFill>
+          </p:spPr>
+          <p:style>
+            <a:lnRef idx="2">
+              <a:schemeClr val="accent1">
+                <a:shade val="50000"/>
+              </a:schemeClr>
+            </a:lnRef>
+            <a:fillRef idx="1">
+              <a:schemeClr val="accent1"/>
+            </a:fillRef>
+            <a:effectRef idx="0">
+              <a:schemeClr val="accent1"/>
+            </a:effectRef>
+            <a:fontRef idx="minor">
+              <a:schemeClr val="lt1"/>
+            </a:fontRef>
+          </p:style>
+          <p:txBody>
+            <a:bodyPr rtlCol="0" anchor="ctr"/>
+            <a:lstStyle/>
+            <a:p>
+              <a:pPr algn="ctr"/>
+              <a:endParaRPr lang="en-US"/>
+            </a:p>
+          </p:txBody>
+        </p:sp>
+        <p:sp>
+          <p:nvSpPr>
+            <p:cNvPr id="14" name="Isosceles Triangle 13"/>
+            <p:cNvSpPr/>
+            <p:nvPr/>
+          </p:nvSpPr>
+          <p:spPr>
+            <a:xfrm flipV="1">
+              <a:off x="6826507" y="5230750"/>
+              <a:ext cx="98322" cy="491613"/>
+            </a:xfrm>
+            <a:prstGeom prst="triangle">
+              <a:avLst/>
+            </a:prstGeom>
+            <a:solidFill>
+              <a:schemeClr val="tx1"/>
+            </a:solidFill>
+            <a:ln>
+              <a:solidFill>
+                <a:schemeClr val="tx1"/>
+              </a:solidFill>
+            </a:ln>
+          </p:spPr>
+          <p:style>
+            <a:lnRef idx="2">
+              <a:schemeClr val="accent1">
+                <a:shade val="50000"/>
+              </a:schemeClr>
+            </a:lnRef>
+            <a:fillRef idx="1">
+              <a:schemeClr val="accent1"/>
+            </a:fillRef>
+            <a:effectRef idx="0">
+              <a:schemeClr val="accent1"/>
+            </a:effectRef>
+            <a:fontRef idx="minor">
+              <a:schemeClr val="lt1"/>
+            </a:fontRef>
+          </p:style>
+          <p:txBody>
+            <a:bodyPr rtlCol="0" anchor="ctr"/>
+            <a:lstStyle/>
+            <a:p>
+              <a:pPr algn="ctr"/>
+              <a:endParaRPr lang="en-US"/>
+            </a:p>
+          </p:txBody>
+        </p:sp>
+      </p:grpSp>
+      <p:grpSp>
+        <p:nvGrpSpPr>
+          <p:cNvPr id="15" name="Group 14"/>
+          <p:cNvGrpSpPr>
+            <a:grpSpLocks noChangeAspect="1"/>
+          </p:cNvGrpSpPr>
+          <p:nvPr/>
+        </p:nvGrpSpPr>
+        <p:grpSpPr>
+          <a:xfrm rot="2760000">
+            <a:off x="1685737" y="1111503"/>
+            <a:ext cx="119176" cy="309466"/>
+            <a:chOff x="6728184" y="4709640"/>
+            <a:chExt cx="294968" cy="1012723"/>
+          </a:xfrm>
+        </p:grpSpPr>
+        <p:sp>
+          <p:nvSpPr>
+            <p:cNvPr id="16" name="Rounded Rectangle 15"/>
+            <p:cNvSpPr/>
+            <p:nvPr/>
+          </p:nvSpPr>
+          <p:spPr>
+            <a:xfrm>
+              <a:off x="6728184" y="4709640"/>
+              <a:ext cx="294968" cy="521110"/>
+            </a:xfrm>
+            <a:prstGeom prst="roundRect">
+              <a:avLst/>
+            </a:prstGeom>
+            <a:solidFill>
+              <a:srgbClr val="FFC000"/>
+            </a:solidFill>
+          </p:spPr>
+          <p:style>
+            <a:lnRef idx="2">
+              <a:schemeClr val="accent1">
+                <a:shade val="50000"/>
+              </a:schemeClr>
+            </a:lnRef>
+            <a:fillRef idx="1">
+              <a:schemeClr val="accent1"/>
+            </a:fillRef>
+            <a:effectRef idx="0">
+              <a:schemeClr val="accent1"/>
+            </a:effectRef>
+            <a:fontRef idx="minor">
+              <a:schemeClr val="lt1"/>
+            </a:fontRef>
+          </p:style>
+          <p:txBody>
+            <a:bodyPr rtlCol="0" anchor="ctr"/>
+            <a:lstStyle/>
+            <a:p>
+              <a:pPr algn="ctr"/>
+              <a:endParaRPr lang="en-US"/>
+            </a:p>
+          </p:txBody>
+        </p:sp>
+        <p:sp>
+          <p:nvSpPr>
+            <p:cNvPr id="17" name="Isosceles Triangle 16"/>
+            <p:cNvSpPr/>
+            <p:nvPr/>
+          </p:nvSpPr>
+          <p:spPr>
+            <a:xfrm flipV="1">
+              <a:off x="6826507" y="5230750"/>
+              <a:ext cx="98322" cy="491613"/>
+            </a:xfrm>
+            <a:prstGeom prst="triangle">
+              <a:avLst/>
+            </a:prstGeom>
+            <a:solidFill>
+              <a:schemeClr val="tx1"/>
+            </a:solidFill>
+            <a:ln>
+              <a:solidFill>
+                <a:schemeClr val="tx1"/>
+              </a:solidFill>
+            </a:ln>
+          </p:spPr>
+          <p:style>
+            <a:lnRef idx="2">
+              <a:schemeClr val="accent1">
+                <a:shade val="50000"/>
+              </a:schemeClr>
+            </a:lnRef>
+            <a:fillRef idx="1">
+              <a:schemeClr val="accent1"/>
+            </a:fillRef>
+            <a:effectRef idx="0">
+              <a:schemeClr val="accent1"/>
+            </a:effectRef>
+            <a:fontRef idx="minor">
+              <a:schemeClr val="lt1"/>
+            </a:fontRef>
+          </p:style>
+          <p:txBody>
+            <a:bodyPr rtlCol="0" anchor="ctr"/>
+            <a:lstStyle/>
+            <a:p>
+              <a:pPr algn="ctr"/>
+              <a:endParaRPr lang="en-US"/>
+            </a:p>
+          </p:txBody>
+        </p:sp>
+      </p:grpSp>
+      <p:cxnSp>
+        <p:nvCxnSpPr>
+          <p:cNvPr id="18" name="Curved Connector 17"/>
+          <p:cNvCxnSpPr/>
+          <p:nvPr/>
+        </p:nvCxnSpPr>
+        <p:spPr>
+          <a:xfrm>
+            <a:off x="1658291" y="1035247"/>
+            <a:ext cx="168200" cy="80638"/>
+          </a:xfrm>
+          <a:prstGeom prst="curvedConnector3">
+            <a:avLst>
+              <a:gd name="adj1" fmla="val 78829"/>
+            </a:avLst>
+          </a:prstGeom>
+          <a:ln w="9525">
+            <a:solidFill>
+              <a:schemeClr val="tx1"/>
+            </a:solidFill>
+            <a:headEnd w="sm" len="sm"/>
+            <a:tailEnd type="triangle" w="sm" len="sm"/>
+          </a:ln>
+        </p:spPr>
+        <p:style>
+          <a:lnRef idx="1">
+            <a:schemeClr val="accent1"/>
+          </a:lnRef>
+          <a:fillRef idx="0">
+            <a:schemeClr val="accent1"/>
+          </a:fillRef>
+          <a:effectRef idx="0">
+            <a:schemeClr val="accent1"/>
+          </a:effectRef>
+          <a:fontRef idx="minor">
+            <a:schemeClr val="tx1"/>
+          </a:fontRef>
+        </p:style>
+      </p:cxnSp>
+      <p:cxnSp>
+        <p:nvCxnSpPr>
+          <p:cNvPr id="48" name="Straight Connector 47"/>
+          <p:cNvCxnSpPr>
+            <a:endCxn id="14" idx="0"/>
+          </p:cNvCxnSpPr>
+          <p:nvPr/>
+        </p:nvCxnSpPr>
+        <p:spPr>
+          <a:xfrm>
+            <a:off x="1601862" y="983673"/>
+            <a:ext cx="1" cy="368985"/>
+          </a:xfrm>
+          <a:prstGeom prst="line">
+            <a:avLst/>
+          </a:prstGeom>
+          <a:ln>
+            <a:solidFill>
+              <a:srgbClr val="FF0000"/>
+            </a:solidFill>
+            <a:prstDash val="dashDot"/>
+          </a:ln>
+        </p:spPr>
+        <p:style>
+          <a:lnRef idx="1">
+            <a:schemeClr val="accent1"/>
+          </a:lnRef>
+          <a:fillRef idx="0">
+            <a:schemeClr val="accent1"/>
+          </a:fillRef>
+          <a:effectRef idx="0">
+            <a:schemeClr val="accent1"/>
+          </a:effectRef>
+          <a:fontRef idx="minor">
+            <a:schemeClr val="tx1"/>
+          </a:fontRef>
+        </p:style>
+      </p:cxnSp>
+      <p:cxnSp>
+        <p:nvCxnSpPr>
+          <p:cNvPr id="49" name="Straight Connector 48"/>
+          <p:cNvCxnSpPr/>
+          <p:nvPr/>
+        </p:nvCxnSpPr>
+        <p:spPr>
+          <a:xfrm rot="2700000">
+            <a:off x="1758884" y="1068168"/>
+            <a:ext cx="1" cy="368985"/>
+          </a:xfrm>
+          <a:prstGeom prst="line">
+            <a:avLst/>
+          </a:prstGeom>
+          <a:ln>
+            <a:solidFill>
+              <a:srgbClr val="FF0000"/>
+            </a:solidFill>
+            <a:prstDash val="dashDot"/>
+          </a:ln>
+        </p:spPr>
+        <p:style>
+          <a:lnRef idx="1">
+            <a:schemeClr val="accent1"/>
+          </a:lnRef>
+          <a:fillRef idx="0">
+            <a:schemeClr val="accent1"/>
+          </a:fillRef>
+          <a:effectRef idx="0">
+            <a:schemeClr val="accent1"/>
+          </a:effectRef>
+          <a:fontRef idx="minor">
+            <a:schemeClr val="tx1"/>
+          </a:fontRef>
+        </p:style>
+      </p:cxnSp>
+      <p:sp>
+        <p:nvSpPr>
+          <p:cNvPr id="56" name="TextBox 55"/>
+          <p:cNvSpPr txBox="1"/>
+          <p:nvPr/>
+        </p:nvSpPr>
+        <p:spPr>
+          <a:xfrm>
+            <a:off x="1628428" y="992774"/>
+            <a:ext cx="113193" cy="246221"/>
+          </a:xfrm>
+          <a:prstGeom prst="rect">
+            <a:avLst/>
+          </a:prstGeom>
+          <a:noFill/>
+        </p:spPr>
+        <p:txBody>
+          <a:bodyPr wrap="square" rtlCol="0">
+            <a:spAutoFit/>
+          </a:bodyPr>
+          <a:lstStyle/>
+          <a:p>
+            <a:r>
+              <a:rPr lang="en-US" sz="1000" dirty="0" smtClean="0"/>
+              <a:t>Ɵ</a:t>
+            </a:r>
+            <a:endParaRPr lang="en-US" sz="1000" dirty="0"/>
+          </a:p>
+        </p:txBody>
+      </p:sp>
     </p:spTree>
     <p:extLst>
       <p:ext uri="{BB962C8B-B14F-4D97-AF65-F5344CB8AC3E}">

--- a/Seismic Drones/CASE-2016/pictures/angle_box_plot.pptx
+++ b/Seismic Drones/CASE-2016/pictures/angle_box_plot.pptx
@@ -243,7 +243,7 @@
           <a:p>
             <a:fld id="{1D2DDFE7-4F41-48A8-85E8-BDE3A8061DB6}" type="datetimeFigureOut">
               <a:rPr lang="en-US" smtClean="0"/>
-              <a:t>3/10/2016</a:t>
+              <a:t>3/21/2016</a:t>
             </a:fld>
             <a:endParaRPr lang="en-US"/>
           </a:p>
@@ -413,7 +413,7 @@
           <a:p>
             <a:fld id="{1D2DDFE7-4F41-48A8-85E8-BDE3A8061DB6}" type="datetimeFigureOut">
               <a:rPr lang="en-US" smtClean="0"/>
-              <a:t>3/10/2016</a:t>
+              <a:t>3/21/2016</a:t>
             </a:fld>
             <a:endParaRPr lang="en-US"/>
           </a:p>
@@ -593,7 +593,7 @@
           <a:p>
             <a:fld id="{1D2DDFE7-4F41-48A8-85E8-BDE3A8061DB6}" type="datetimeFigureOut">
               <a:rPr lang="en-US" smtClean="0"/>
-              <a:t>3/10/2016</a:t>
+              <a:t>3/21/2016</a:t>
             </a:fld>
             <a:endParaRPr lang="en-US"/>
           </a:p>
@@ -763,7 +763,7 @@
           <a:p>
             <a:fld id="{1D2DDFE7-4F41-48A8-85E8-BDE3A8061DB6}" type="datetimeFigureOut">
               <a:rPr lang="en-US" smtClean="0"/>
-              <a:t>3/10/2016</a:t>
+              <a:t>3/21/2016</a:t>
             </a:fld>
             <a:endParaRPr lang="en-US"/>
           </a:p>
@@ -1007,7 +1007,7 @@
           <a:p>
             <a:fld id="{1D2DDFE7-4F41-48A8-85E8-BDE3A8061DB6}" type="datetimeFigureOut">
               <a:rPr lang="en-US" smtClean="0"/>
-              <a:t>3/10/2016</a:t>
+              <a:t>3/21/2016</a:t>
             </a:fld>
             <a:endParaRPr lang="en-US"/>
           </a:p>
@@ -1239,7 +1239,7 @@
           <a:p>
             <a:fld id="{1D2DDFE7-4F41-48A8-85E8-BDE3A8061DB6}" type="datetimeFigureOut">
               <a:rPr lang="en-US" smtClean="0"/>
-              <a:t>3/10/2016</a:t>
+              <a:t>3/21/2016</a:t>
             </a:fld>
             <a:endParaRPr lang="en-US"/>
           </a:p>
@@ -1606,7 +1606,7 @@
           <a:p>
             <a:fld id="{1D2DDFE7-4F41-48A8-85E8-BDE3A8061DB6}" type="datetimeFigureOut">
               <a:rPr lang="en-US" smtClean="0"/>
-              <a:t>3/10/2016</a:t>
+              <a:t>3/21/2016</a:t>
             </a:fld>
             <a:endParaRPr lang="en-US"/>
           </a:p>
@@ -1724,7 +1724,7 @@
           <a:p>
             <a:fld id="{1D2DDFE7-4F41-48A8-85E8-BDE3A8061DB6}" type="datetimeFigureOut">
               <a:rPr lang="en-US" smtClean="0"/>
-              <a:t>3/10/2016</a:t>
+              <a:t>3/21/2016</a:t>
             </a:fld>
             <a:endParaRPr lang="en-US"/>
           </a:p>
@@ -1819,7 +1819,7 @@
           <a:p>
             <a:fld id="{1D2DDFE7-4F41-48A8-85E8-BDE3A8061DB6}" type="datetimeFigureOut">
               <a:rPr lang="en-US" smtClean="0"/>
-              <a:t>3/10/2016</a:t>
+              <a:t>3/21/2016</a:t>
             </a:fld>
             <a:endParaRPr lang="en-US"/>
           </a:p>
@@ -2096,7 +2096,7 @@
           <a:p>
             <a:fld id="{1D2DDFE7-4F41-48A8-85E8-BDE3A8061DB6}" type="datetimeFigureOut">
               <a:rPr lang="en-US" smtClean="0"/>
-              <a:t>3/10/2016</a:t>
+              <a:t>3/21/2016</a:t>
             </a:fld>
             <a:endParaRPr lang="en-US"/>
           </a:p>
@@ -2353,7 +2353,7 @@
           <a:p>
             <a:fld id="{1D2DDFE7-4F41-48A8-85E8-BDE3A8061DB6}" type="datetimeFigureOut">
               <a:rPr lang="en-US" smtClean="0"/>
-              <a:t>3/10/2016</a:t>
+              <a:t>3/21/2016</a:t>
             </a:fld>
             <a:endParaRPr lang="en-US"/>
           </a:p>
@@ -2566,7 +2566,7 @@
           <a:p>
             <a:fld id="{1D2DDFE7-4F41-48A8-85E8-BDE3A8061DB6}" type="datetimeFigureOut">
               <a:rPr lang="en-US" smtClean="0"/>
-              <a:t>3/10/2016</a:t>
+              <a:t>3/21/2016</a:t>
             </a:fld>
             <a:endParaRPr lang="en-US"/>
           </a:p>
@@ -3421,10 +3421,16 @@
           <a:lstStyle/>
           <a:p>
             <a:r>
-              <a:rPr lang="en-US" sz="1000" dirty="0" smtClean="0"/>
+              <a:rPr lang="en-US" sz="1000" dirty="0" smtClean="0">
+                <a:latin typeface="Times New Roman" panose="02020603050405020304" pitchFamily="18" charset="0"/>
+                <a:cs typeface="Times New Roman" panose="02020603050405020304" pitchFamily="18" charset="0"/>
+              </a:rPr>
               <a:t>Ɵ</a:t>
             </a:r>
-            <a:endParaRPr lang="en-US" sz="1000" dirty="0"/>
+            <a:endParaRPr lang="en-US" sz="1000" dirty="0">
+              <a:latin typeface="Times New Roman" panose="02020603050405020304" pitchFamily="18" charset="0"/>
+              <a:cs typeface="Times New Roman" panose="02020603050405020304" pitchFamily="18" charset="0"/>
+            </a:endParaRPr>
           </a:p>
         </p:txBody>
       </p:sp>
